--- a/Presentations/SAIMechE 2019/SAIMechE Images.pptx
+++ b/Presentations/SAIMechE 2019/SAIMechE Images.pptx
@@ -7,6 +7,7 @@
   <p:sldIdLst>
     <p:sldId id="256" r:id="rId2"/>
     <p:sldId id="257" r:id="rId3"/>
+    <p:sldId id="258" r:id="rId4"/>
   </p:sldIdLst>
   <p:sldSz cx="12192000" cy="6858000"/>
   <p:notesSz cx="6858000" cy="9144000"/>
@@ -262,7 +263,7 @@
           <a:p>
             <a:fld id="{E1F765F0-E21B-4E68-96BA-ABBD73A2C577}" type="datetimeFigureOut">
               <a:rPr lang="en-ZA" smtClean="0"/>
-              <a:t>2019-10-01</a:t>
+              <a:t>2019-11-21</a:t>
             </a:fld>
             <a:endParaRPr lang="en-ZA"/>
           </a:p>
@@ -462,7 +463,7 @@
           <a:p>
             <a:fld id="{E1F765F0-E21B-4E68-96BA-ABBD73A2C577}" type="datetimeFigureOut">
               <a:rPr lang="en-ZA" smtClean="0"/>
-              <a:t>2019-10-01</a:t>
+              <a:t>2019-11-21</a:t>
             </a:fld>
             <a:endParaRPr lang="en-ZA"/>
           </a:p>
@@ -672,7 +673,7 @@
           <a:p>
             <a:fld id="{E1F765F0-E21B-4E68-96BA-ABBD73A2C577}" type="datetimeFigureOut">
               <a:rPr lang="en-ZA" smtClean="0"/>
-              <a:t>2019-10-01</a:t>
+              <a:t>2019-11-21</a:t>
             </a:fld>
             <a:endParaRPr lang="en-ZA"/>
           </a:p>
@@ -872,7 +873,7 @@
           <a:p>
             <a:fld id="{E1F765F0-E21B-4E68-96BA-ABBD73A2C577}" type="datetimeFigureOut">
               <a:rPr lang="en-ZA" smtClean="0"/>
-              <a:t>2019-10-01</a:t>
+              <a:t>2019-11-21</a:t>
             </a:fld>
             <a:endParaRPr lang="en-ZA"/>
           </a:p>
@@ -1148,7 +1149,7 @@
           <a:p>
             <a:fld id="{E1F765F0-E21B-4E68-96BA-ABBD73A2C577}" type="datetimeFigureOut">
               <a:rPr lang="en-ZA" smtClean="0"/>
-              <a:t>2019-10-01</a:t>
+              <a:t>2019-11-21</a:t>
             </a:fld>
             <a:endParaRPr lang="en-ZA"/>
           </a:p>
@@ -1416,7 +1417,7 @@
           <a:p>
             <a:fld id="{E1F765F0-E21B-4E68-96BA-ABBD73A2C577}" type="datetimeFigureOut">
               <a:rPr lang="en-ZA" smtClean="0"/>
-              <a:t>2019-10-01</a:t>
+              <a:t>2019-11-21</a:t>
             </a:fld>
             <a:endParaRPr lang="en-ZA"/>
           </a:p>
@@ -1831,7 +1832,7 @@
           <a:p>
             <a:fld id="{E1F765F0-E21B-4E68-96BA-ABBD73A2C577}" type="datetimeFigureOut">
               <a:rPr lang="en-ZA" smtClean="0"/>
-              <a:t>2019-10-01</a:t>
+              <a:t>2019-11-21</a:t>
             </a:fld>
             <a:endParaRPr lang="en-ZA"/>
           </a:p>
@@ -1973,7 +1974,7 @@
           <a:p>
             <a:fld id="{E1F765F0-E21B-4E68-96BA-ABBD73A2C577}" type="datetimeFigureOut">
               <a:rPr lang="en-ZA" smtClean="0"/>
-              <a:t>2019-10-01</a:t>
+              <a:t>2019-11-21</a:t>
             </a:fld>
             <a:endParaRPr lang="en-ZA"/>
           </a:p>
@@ -2086,7 +2087,7 @@
           <a:p>
             <a:fld id="{E1F765F0-E21B-4E68-96BA-ABBD73A2C577}" type="datetimeFigureOut">
               <a:rPr lang="en-ZA" smtClean="0"/>
-              <a:t>2019-10-01</a:t>
+              <a:t>2019-11-21</a:t>
             </a:fld>
             <a:endParaRPr lang="en-ZA"/>
           </a:p>
@@ -2399,7 +2400,7 @@
           <a:p>
             <a:fld id="{E1F765F0-E21B-4E68-96BA-ABBD73A2C577}" type="datetimeFigureOut">
               <a:rPr lang="en-ZA" smtClean="0"/>
-              <a:t>2019-10-01</a:t>
+              <a:t>2019-11-21</a:t>
             </a:fld>
             <a:endParaRPr lang="en-ZA"/>
           </a:p>
@@ -2688,7 +2689,7 @@
           <a:p>
             <a:fld id="{E1F765F0-E21B-4E68-96BA-ABBD73A2C577}" type="datetimeFigureOut">
               <a:rPr lang="en-ZA" smtClean="0"/>
-              <a:t>2019-10-01</a:t>
+              <a:t>2019-11-21</a:t>
             </a:fld>
             <a:endParaRPr lang="en-ZA"/>
           </a:p>
@@ -2931,7 +2932,7 @@
           <a:p>
             <a:fld id="{E1F765F0-E21B-4E68-96BA-ABBD73A2C577}" type="datetimeFigureOut">
               <a:rPr lang="en-ZA" smtClean="0"/>
-              <a:t>2019-10-01</a:t>
+              <a:t>2019-11-21</a:t>
             </a:fld>
             <a:endParaRPr lang="en-ZA"/>
           </a:p>
@@ -9161,6 +9162,36 @@
 </p:sld>
 </file>
 
+<file path=ppt/slides/slide3.xml><?xml version="1.0" encoding="utf-8"?>
+<p:sld xmlns:a="http://schemas.openxmlformats.org/drawingml/2006/main" xmlns:r="http://schemas.openxmlformats.org/officeDocument/2006/relationships" xmlns:p="http://schemas.openxmlformats.org/presentationml/2006/main">
+  <p:cSld>
+    <p:spTree>
+      <p:nvGrpSpPr>
+        <p:cNvPr id="1" name=""/>
+        <p:cNvGrpSpPr/>
+        <p:nvPr/>
+      </p:nvGrpSpPr>
+      <p:grpSpPr>
+        <a:xfrm>
+          <a:off x="0" y="0"/>
+          <a:ext cx="0" cy="0"/>
+          <a:chOff x="0" y="0"/>
+          <a:chExt cx="0" cy="0"/>
+        </a:xfrm>
+      </p:grpSpPr>
+    </p:spTree>
+    <p:extLst>
+      <p:ext uri="{BB962C8B-B14F-4D97-AF65-F5344CB8AC3E}">
+        <p14:creationId xmlns:p14="http://schemas.microsoft.com/office/powerpoint/2010/main" val="74433521"/>
+      </p:ext>
+    </p:extLst>
+  </p:cSld>
+  <p:clrMapOvr>
+    <a:masterClrMapping/>
+  </p:clrMapOvr>
+</p:sld>
+</file>
+
 <file path=ppt/theme/theme1.xml><?xml version="1.0" encoding="utf-8"?>
 <a:theme xmlns:a="http://schemas.openxmlformats.org/drawingml/2006/main" name="Office Theme">
   <a:themeElements>

--- a/Presentations/SAIMechE 2019/SAIMechE Images.pptx
+++ b/Presentations/SAIMechE 2019/SAIMechE Images.pptx
@@ -9179,6 +9179,1985 @@
           <a:chExt cx="0" cy="0"/>
         </a:xfrm>
       </p:grpSpPr>
+      <p:grpSp>
+        <p:nvGrpSpPr>
+          <p:cNvPr id="45" name="Group 44">
+            <a:extLst>
+              <a:ext uri="{FF2B5EF4-FFF2-40B4-BE49-F238E27FC236}">
+                <a16:creationId xmlns:a16="http://schemas.microsoft.com/office/drawing/2014/main" id="{910BCCDF-32CD-4116-A78C-D5837FE95F91}"/>
+              </a:ext>
+            </a:extLst>
+          </p:cNvPr>
+          <p:cNvGrpSpPr/>
+          <p:nvPr/>
+        </p:nvGrpSpPr>
+        <p:grpSpPr>
+          <a:xfrm>
+            <a:off x="0" y="3617868"/>
+            <a:ext cx="3750333" cy="3245597"/>
+            <a:chOff x="2974034" y="2803145"/>
+            <a:chExt cx="3750333" cy="3245597"/>
+          </a:xfrm>
+          <a:solidFill>
+            <a:schemeClr val="bg1">
+              <a:lumMod val="85000"/>
+            </a:schemeClr>
+          </a:solidFill>
+        </p:grpSpPr>
+        <p:sp>
+          <p:nvSpPr>
+            <p:cNvPr id="3" name="Rectangle 2">
+              <a:extLst>
+                <a:ext uri="{FF2B5EF4-FFF2-40B4-BE49-F238E27FC236}">
+                  <a16:creationId xmlns:a16="http://schemas.microsoft.com/office/drawing/2014/main" id="{C87A4DB2-E4AE-4340-A98F-3AE28C49A364}"/>
+                </a:ext>
+              </a:extLst>
+            </p:cNvPr>
+            <p:cNvSpPr/>
+            <p:nvPr/>
+          </p:nvSpPr>
+          <p:spPr>
+            <a:xfrm>
+              <a:off x="4581319" y="5512981"/>
+              <a:ext cx="535761" cy="535761"/>
+            </a:xfrm>
+            <a:prstGeom prst="rect">
+              <a:avLst/>
+            </a:prstGeom>
+            <a:grpFill/>
+            <a:ln w="57150">
+              <a:solidFill>
+                <a:srgbClr val="C00000"/>
+              </a:solidFill>
+            </a:ln>
+          </p:spPr>
+          <p:style>
+            <a:lnRef idx="2">
+              <a:schemeClr val="accent1">
+                <a:shade val="50000"/>
+              </a:schemeClr>
+            </a:lnRef>
+            <a:fillRef idx="1">
+              <a:schemeClr val="accent1"/>
+            </a:fillRef>
+            <a:effectRef idx="0">
+              <a:schemeClr val="accent1"/>
+            </a:effectRef>
+            <a:fontRef idx="minor">
+              <a:schemeClr val="lt1"/>
+            </a:fontRef>
+          </p:style>
+          <p:txBody>
+            <a:bodyPr rtlCol="0" anchor="ctr"/>
+            <a:lstStyle/>
+            <a:p>
+              <a:pPr algn="ctr"/>
+              <a:endParaRPr lang="en-ZA"/>
+            </a:p>
+          </p:txBody>
+        </p:sp>
+        <p:sp>
+          <p:nvSpPr>
+            <p:cNvPr id="5" name="Rectangle 4">
+              <a:extLst>
+                <a:ext uri="{FF2B5EF4-FFF2-40B4-BE49-F238E27FC236}">
+                  <a16:creationId xmlns:a16="http://schemas.microsoft.com/office/drawing/2014/main" id="{570B73B0-97AE-477A-8CFC-F020FBB824F1}"/>
+                </a:ext>
+              </a:extLst>
+            </p:cNvPr>
+            <p:cNvSpPr/>
+            <p:nvPr/>
+          </p:nvSpPr>
+          <p:spPr>
+            <a:xfrm>
+              <a:off x="4581322" y="4972787"/>
+              <a:ext cx="535761" cy="535761"/>
+            </a:xfrm>
+            <a:prstGeom prst="rect">
+              <a:avLst/>
+            </a:prstGeom>
+            <a:grpFill/>
+            <a:ln w="57150">
+              <a:solidFill>
+                <a:srgbClr val="C00000"/>
+              </a:solidFill>
+            </a:ln>
+          </p:spPr>
+          <p:style>
+            <a:lnRef idx="2">
+              <a:schemeClr val="accent1">
+                <a:shade val="50000"/>
+              </a:schemeClr>
+            </a:lnRef>
+            <a:fillRef idx="1">
+              <a:schemeClr val="accent1"/>
+            </a:fillRef>
+            <a:effectRef idx="0">
+              <a:schemeClr val="accent1"/>
+            </a:effectRef>
+            <a:fontRef idx="minor">
+              <a:schemeClr val="lt1"/>
+            </a:fontRef>
+          </p:style>
+          <p:txBody>
+            <a:bodyPr rtlCol="0" anchor="ctr"/>
+            <a:lstStyle/>
+            <a:p>
+              <a:pPr algn="ctr"/>
+              <a:endParaRPr lang="en-ZA" dirty="0"/>
+            </a:p>
+          </p:txBody>
+        </p:sp>
+        <p:sp>
+          <p:nvSpPr>
+            <p:cNvPr id="7" name="Rectangle 6">
+              <a:extLst>
+                <a:ext uri="{FF2B5EF4-FFF2-40B4-BE49-F238E27FC236}">
+                  <a16:creationId xmlns:a16="http://schemas.microsoft.com/office/drawing/2014/main" id="{C9F016D7-B74D-4C2C-A3A9-5D743BE74323}"/>
+                </a:ext>
+              </a:extLst>
+            </p:cNvPr>
+            <p:cNvSpPr/>
+            <p:nvPr/>
+          </p:nvSpPr>
+          <p:spPr>
+            <a:xfrm>
+              <a:off x="4045560" y="4972787"/>
+              <a:ext cx="535761" cy="535761"/>
+            </a:xfrm>
+            <a:prstGeom prst="rect">
+              <a:avLst/>
+            </a:prstGeom>
+            <a:grpFill/>
+            <a:ln w="57150">
+              <a:solidFill>
+                <a:srgbClr val="C00000"/>
+              </a:solidFill>
+            </a:ln>
+          </p:spPr>
+          <p:style>
+            <a:lnRef idx="2">
+              <a:schemeClr val="accent1">
+                <a:shade val="50000"/>
+              </a:schemeClr>
+            </a:lnRef>
+            <a:fillRef idx="1">
+              <a:schemeClr val="accent1"/>
+            </a:fillRef>
+            <a:effectRef idx="0">
+              <a:schemeClr val="accent1"/>
+            </a:effectRef>
+            <a:fontRef idx="minor">
+              <a:schemeClr val="lt1"/>
+            </a:fontRef>
+          </p:style>
+          <p:txBody>
+            <a:bodyPr rtlCol="0" anchor="ctr"/>
+            <a:lstStyle/>
+            <a:p>
+              <a:pPr algn="ctr"/>
+              <a:endParaRPr lang="en-ZA" dirty="0"/>
+            </a:p>
+          </p:txBody>
+        </p:sp>
+        <p:sp>
+          <p:nvSpPr>
+            <p:cNvPr id="9" name="Rectangle 8">
+              <a:extLst>
+                <a:ext uri="{FF2B5EF4-FFF2-40B4-BE49-F238E27FC236}">
+                  <a16:creationId xmlns:a16="http://schemas.microsoft.com/office/drawing/2014/main" id="{DD3B2AAD-4B6C-44E6-B257-620B7B81BBC7}"/>
+                </a:ext>
+              </a:extLst>
+            </p:cNvPr>
+            <p:cNvSpPr/>
+            <p:nvPr/>
+          </p:nvSpPr>
+          <p:spPr>
+            <a:xfrm>
+              <a:off x="5117084" y="4972787"/>
+              <a:ext cx="535761" cy="535761"/>
+            </a:xfrm>
+            <a:prstGeom prst="rect">
+              <a:avLst/>
+            </a:prstGeom>
+            <a:grpFill/>
+            <a:ln w="57150">
+              <a:solidFill>
+                <a:srgbClr val="C00000"/>
+              </a:solidFill>
+            </a:ln>
+          </p:spPr>
+          <p:style>
+            <a:lnRef idx="2">
+              <a:schemeClr val="accent1">
+                <a:shade val="50000"/>
+              </a:schemeClr>
+            </a:lnRef>
+            <a:fillRef idx="1">
+              <a:schemeClr val="accent1"/>
+            </a:fillRef>
+            <a:effectRef idx="0">
+              <a:schemeClr val="accent1"/>
+            </a:effectRef>
+            <a:fontRef idx="minor">
+              <a:schemeClr val="lt1"/>
+            </a:fontRef>
+          </p:style>
+          <p:txBody>
+            <a:bodyPr rtlCol="0" anchor="ctr"/>
+            <a:lstStyle/>
+            <a:p>
+              <a:pPr algn="ctr"/>
+              <a:endParaRPr lang="en-ZA" dirty="0"/>
+            </a:p>
+          </p:txBody>
+        </p:sp>
+        <p:sp>
+          <p:nvSpPr>
+            <p:cNvPr id="11" name="Rectangle 10">
+              <a:extLst>
+                <a:ext uri="{FF2B5EF4-FFF2-40B4-BE49-F238E27FC236}">
+                  <a16:creationId xmlns:a16="http://schemas.microsoft.com/office/drawing/2014/main" id="{AB42333D-38D8-404F-9264-1711C38D71B3}"/>
+                </a:ext>
+              </a:extLst>
+            </p:cNvPr>
+            <p:cNvSpPr/>
+            <p:nvPr/>
+          </p:nvSpPr>
+          <p:spPr>
+            <a:xfrm>
+              <a:off x="4045560" y="4432593"/>
+              <a:ext cx="535761" cy="535761"/>
+            </a:xfrm>
+            <a:prstGeom prst="rect">
+              <a:avLst/>
+            </a:prstGeom>
+            <a:grpFill/>
+            <a:ln w="57150">
+              <a:solidFill>
+                <a:srgbClr val="C00000"/>
+              </a:solidFill>
+            </a:ln>
+          </p:spPr>
+          <p:style>
+            <a:lnRef idx="2">
+              <a:schemeClr val="accent1">
+                <a:shade val="50000"/>
+              </a:schemeClr>
+            </a:lnRef>
+            <a:fillRef idx="1">
+              <a:schemeClr val="accent1"/>
+            </a:fillRef>
+            <a:effectRef idx="0">
+              <a:schemeClr val="accent1"/>
+            </a:effectRef>
+            <a:fontRef idx="minor">
+              <a:schemeClr val="lt1"/>
+            </a:fontRef>
+          </p:style>
+          <p:txBody>
+            <a:bodyPr rtlCol="0" anchor="ctr"/>
+            <a:lstStyle/>
+            <a:p>
+              <a:pPr algn="ctr"/>
+              <a:endParaRPr lang="en-ZA"/>
+            </a:p>
+          </p:txBody>
+        </p:sp>
+        <p:sp>
+          <p:nvSpPr>
+            <p:cNvPr id="12" name="Rectangle 11">
+              <a:extLst>
+                <a:ext uri="{FF2B5EF4-FFF2-40B4-BE49-F238E27FC236}">
+                  <a16:creationId xmlns:a16="http://schemas.microsoft.com/office/drawing/2014/main" id="{7F858CBC-8057-4D23-B347-7D787EAE5880}"/>
+                </a:ext>
+              </a:extLst>
+            </p:cNvPr>
+            <p:cNvSpPr/>
+            <p:nvPr/>
+          </p:nvSpPr>
+          <p:spPr>
+            <a:xfrm>
+              <a:off x="4045559" y="3892399"/>
+              <a:ext cx="535761" cy="535761"/>
+            </a:xfrm>
+            <a:prstGeom prst="rect">
+              <a:avLst/>
+            </a:prstGeom>
+            <a:grpFill/>
+            <a:ln w="57150">
+              <a:solidFill>
+                <a:srgbClr val="C00000"/>
+              </a:solidFill>
+            </a:ln>
+          </p:spPr>
+          <p:style>
+            <a:lnRef idx="2">
+              <a:schemeClr val="accent1">
+                <a:shade val="50000"/>
+              </a:schemeClr>
+            </a:lnRef>
+            <a:fillRef idx="1">
+              <a:schemeClr val="accent1"/>
+            </a:fillRef>
+            <a:effectRef idx="0">
+              <a:schemeClr val="accent1"/>
+            </a:effectRef>
+            <a:fontRef idx="minor">
+              <a:schemeClr val="lt1"/>
+            </a:fontRef>
+          </p:style>
+          <p:txBody>
+            <a:bodyPr rtlCol="0" anchor="ctr"/>
+            <a:lstStyle/>
+            <a:p>
+              <a:pPr algn="ctr"/>
+              <a:endParaRPr lang="en-ZA" dirty="0"/>
+            </a:p>
+          </p:txBody>
+        </p:sp>
+        <p:sp>
+          <p:nvSpPr>
+            <p:cNvPr id="13" name="Rectangle 12">
+              <a:extLst>
+                <a:ext uri="{FF2B5EF4-FFF2-40B4-BE49-F238E27FC236}">
+                  <a16:creationId xmlns:a16="http://schemas.microsoft.com/office/drawing/2014/main" id="{F6468DD2-F312-43CA-BAC0-1F77CEB16F5A}"/>
+                </a:ext>
+              </a:extLst>
+            </p:cNvPr>
+            <p:cNvSpPr/>
+            <p:nvPr/>
+          </p:nvSpPr>
+          <p:spPr>
+            <a:xfrm>
+              <a:off x="3509797" y="3892399"/>
+              <a:ext cx="535761" cy="535761"/>
+            </a:xfrm>
+            <a:prstGeom prst="rect">
+              <a:avLst/>
+            </a:prstGeom>
+            <a:grpFill/>
+            <a:ln w="57150">
+              <a:solidFill>
+                <a:srgbClr val="C00000"/>
+              </a:solidFill>
+            </a:ln>
+          </p:spPr>
+          <p:style>
+            <a:lnRef idx="2">
+              <a:schemeClr val="accent1">
+                <a:shade val="50000"/>
+              </a:schemeClr>
+            </a:lnRef>
+            <a:fillRef idx="1">
+              <a:schemeClr val="accent1"/>
+            </a:fillRef>
+            <a:effectRef idx="0">
+              <a:schemeClr val="accent1"/>
+            </a:effectRef>
+            <a:fontRef idx="minor">
+              <a:schemeClr val="lt1"/>
+            </a:fontRef>
+          </p:style>
+          <p:txBody>
+            <a:bodyPr rtlCol="0" anchor="ctr"/>
+            <a:lstStyle/>
+            <a:p>
+              <a:pPr algn="ctr"/>
+              <a:endParaRPr lang="en-ZA" dirty="0"/>
+            </a:p>
+          </p:txBody>
+        </p:sp>
+        <p:sp>
+          <p:nvSpPr>
+            <p:cNvPr id="15" name="Rectangle 14">
+              <a:extLst>
+                <a:ext uri="{FF2B5EF4-FFF2-40B4-BE49-F238E27FC236}">
+                  <a16:creationId xmlns:a16="http://schemas.microsoft.com/office/drawing/2014/main" id="{0BA0FBD4-A6D4-49AF-8FD8-AD59AA897033}"/>
+                </a:ext>
+              </a:extLst>
+            </p:cNvPr>
+            <p:cNvSpPr/>
+            <p:nvPr/>
+          </p:nvSpPr>
+          <p:spPr>
+            <a:xfrm>
+              <a:off x="5117085" y="4432593"/>
+              <a:ext cx="535761" cy="535761"/>
+            </a:xfrm>
+            <a:prstGeom prst="rect">
+              <a:avLst/>
+            </a:prstGeom>
+            <a:grpFill/>
+            <a:ln w="57150">
+              <a:solidFill>
+                <a:srgbClr val="C00000"/>
+              </a:solidFill>
+            </a:ln>
+          </p:spPr>
+          <p:style>
+            <a:lnRef idx="2">
+              <a:schemeClr val="accent1">
+                <a:shade val="50000"/>
+              </a:schemeClr>
+            </a:lnRef>
+            <a:fillRef idx="1">
+              <a:schemeClr val="accent1"/>
+            </a:fillRef>
+            <a:effectRef idx="0">
+              <a:schemeClr val="accent1"/>
+            </a:effectRef>
+            <a:fontRef idx="minor">
+              <a:schemeClr val="lt1"/>
+            </a:fontRef>
+          </p:style>
+          <p:txBody>
+            <a:bodyPr rtlCol="0" anchor="ctr"/>
+            <a:lstStyle/>
+            <a:p>
+              <a:pPr algn="ctr"/>
+              <a:endParaRPr lang="en-ZA"/>
+            </a:p>
+          </p:txBody>
+        </p:sp>
+        <p:sp>
+          <p:nvSpPr>
+            <p:cNvPr id="16" name="Rectangle 15">
+              <a:extLst>
+                <a:ext uri="{FF2B5EF4-FFF2-40B4-BE49-F238E27FC236}">
+                  <a16:creationId xmlns:a16="http://schemas.microsoft.com/office/drawing/2014/main" id="{6C06AA48-8522-4EB2-9894-3F5AA0826A57}"/>
+                </a:ext>
+              </a:extLst>
+            </p:cNvPr>
+            <p:cNvSpPr/>
+            <p:nvPr/>
+          </p:nvSpPr>
+          <p:spPr>
+            <a:xfrm>
+              <a:off x="5117084" y="3892399"/>
+              <a:ext cx="535761" cy="535761"/>
+            </a:xfrm>
+            <a:prstGeom prst="rect">
+              <a:avLst/>
+            </a:prstGeom>
+            <a:grpFill/>
+            <a:ln w="57150">
+              <a:solidFill>
+                <a:srgbClr val="C00000"/>
+              </a:solidFill>
+            </a:ln>
+          </p:spPr>
+          <p:style>
+            <a:lnRef idx="2">
+              <a:schemeClr val="accent1">
+                <a:shade val="50000"/>
+              </a:schemeClr>
+            </a:lnRef>
+            <a:fillRef idx="1">
+              <a:schemeClr val="accent1"/>
+            </a:fillRef>
+            <a:effectRef idx="0">
+              <a:schemeClr val="accent1"/>
+            </a:effectRef>
+            <a:fontRef idx="minor">
+              <a:schemeClr val="lt1"/>
+            </a:fontRef>
+          </p:style>
+          <p:txBody>
+            <a:bodyPr rtlCol="0" anchor="ctr"/>
+            <a:lstStyle/>
+            <a:p>
+              <a:pPr algn="ctr"/>
+              <a:endParaRPr lang="en-ZA" dirty="0"/>
+            </a:p>
+          </p:txBody>
+        </p:sp>
+        <p:sp>
+          <p:nvSpPr>
+            <p:cNvPr id="18" name="Rectangle 17">
+              <a:extLst>
+                <a:ext uri="{FF2B5EF4-FFF2-40B4-BE49-F238E27FC236}">
+                  <a16:creationId xmlns:a16="http://schemas.microsoft.com/office/drawing/2014/main" id="{2990AA1D-2FF4-4684-861C-0AB287AC711D}"/>
+                </a:ext>
+              </a:extLst>
+            </p:cNvPr>
+            <p:cNvSpPr/>
+            <p:nvPr/>
+          </p:nvSpPr>
+          <p:spPr>
+            <a:xfrm>
+              <a:off x="5652846" y="3892399"/>
+              <a:ext cx="535761" cy="535761"/>
+            </a:xfrm>
+            <a:prstGeom prst="rect">
+              <a:avLst/>
+            </a:prstGeom>
+            <a:grpFill/>
+            <a:ln w="57150">
+              <a:solidFill>
+                <a:srgbClr val="C00000"/>
+              </a:solidFill>
+            </a:ln>
+          </p:spPr>
+          <p:style>
+            <a:lnRef idx="2">
+              <a:schemeClr val="accent1">
+                <a:shade val="50000"/>
+              </a:schemeClr>
+            </a:lnRef>
+            <a:fillRef idx="1">
+              <a:schemeClr val="accent1"/>
+            </a:fillRef>
+            <a:effectRef idx="0">
+              <a:schemeClr val="accent1"/>
+            </a:effectRef>
+            <a:fontRef idx="minor">
+              <a:schemeClr val="lt1"/>
+            </a:fontRef>
+          </p:style>
+          <p:txBody>
+            <a:bodyPr rtlCol="0" anchor="ctr"/>
+            <a:lstStyle/>
+            <a:p>
+              <a:pPr algn="ctr"/>
+              <a:endParaRPr lang="en-ZA" dirty="0"/>
+            </a:p>
+          </p:txBody>
+        </p:sp>
+        <p:sp>
+          <p:nvSpPr>
+            <p:cNvPr id="19" name="Rectangle 18">
+              <a:extLst>
+                <a:ext uri="{FF2B5EF4-FFF2-40B4-BE49-F238E27FC236}">
+                  <a16:creationId xmlns:a16="http://schemas.microsoft.com/office/drawing/2014/main" id="{92B01DFB-EF53-4B57-86D0-A5609C9C72E1}"/>
+                </a:ext>
+              </a:extLst>
+            </p:cNvPr>
+            <p:cNvSpPr/>
+            <p:nvPr/>
+          </p:nvSpPr>
+          <p:spPr>
+            <a:xfrm>
+              <a:off x="3509797" y="3347772"/>
+              <a:ext cx="535761" cy="535761"/>
+            </a:xfrm>
+            <a:prstGeom prst="rect">
+              <a:avLst/>
+            </a:prstGeom>
+            <a:grpFill/>
+            <a:ln w="57150">
+              <a:solidFill>
+                <a:srgbClr val="C00000"/>
+              </a:solidFill>
+            </a:ln>
+          </p:spPr>
+          <p:style>
+            <a:lnRef idx="2">
+              <a:schemeClr val="accent1">
+                <a:shade val="50000"/>
+              </a:schemeClr>
+            </a:lnRef>
+            <a:fillRef idx="1">
+              <a:schemeClr val="accent1"/>
+            </a:fillRef>
+            <a:effectRef idx="0">
+              <a:schemeClr val="accent1"/>
+            </a:effectRef>
+            <a:fontRef idx="minor">
+              <a:schemeClr val="lt1"/>
+            </a:fontRef>
+          </p:style>
+          <p:txBody>
+            <a:bodyPr rtlCol="0" anchor="ctr"/>
+            <a:lstStyle/>
+            <a:p>
+              <a:pPr algn="ctr"/>
+              <a:endParaRPr lang="en-ZA"/>
+            </a:p>
+          </p:txBody>
+        </p:sp>
+        <p:sp>
+          <p:nvSpPr>
+            <p:cNvPr id="20" name="Rectangle 19">
+              <a:extLst>
+                <a:ext uri="{FF2B5EF4-FFF2-40B4-BE49-F238E27FC236}">
+                  <a16:creationId xmlns:a16="http://schemas.microsoft.com/office/drawing/2014/main" id="{33B70E8B-AE1A-4D1B-91F2-721EDD24E006}"/>
+                </a:ext>
+              </a:extLst>
+            </p:cNvPr>
+            <p:cNvSpPr/>
+            <p:nvPr/>
+          </p:nvSpPr>
+          <p:spPr>
+            <a:xfrm>
+              <a:off x="3509796" y="2807578"/>
+              <a:ext cx="535761" cy="535761"/>
+            </a:xfrm>
+            <a:prstGeom prst="rect">
+              <a:avLst/>
+            </a:prstGeom>
+            <a:grpFill/>
+            <a:ln w="57150">
+              <a:solidFill>
+                <a:srgbClr val="C00000"/>
+              </a:solidFill>
+            </a:ln>
+          </p:spPr>
+          <p:style>
+            <a:lnRef idx="2">
+              <a:schemeClr val="accent1">
+                <a:shade val="50000"/>
+              </a:schemeClr>
+            </a:lnRef>
+            <a:fillRef idx="1">
+              <a:schemeClr val="accent1"/>
+            </a:fillRef>
+            <a:effectRef idx="0">
+              <a:schemeClr val="accent1"/>
+            </a:effectRef>
+            <a:fontRef idx="minor">
+              <a:schemeClr val="lt1"/>
+            </a:fontRef>
+          </p:style>
+          <p:txBody>
+            <a:bodyPr rtlCol="0" anchor="ctr"/>
+            <a:lstStyle/>
+            <a:p>
+              <a:pPr algn="ctr"/>
+              <a:endParaRPr lang="en-ZA" dirty="0"/>
+            </a:p>
+          </p:txBody>
+        </p:sp>
+        <p:sp>
+          <p:nvSpPr>
+            <p:cNvPr id="21" name="Rectangle 20">
+              <a:extLst>
+                <a:ext uri="{FF2B5EF4-FFF2-40B4-BE49-F238E27FC236}">
+                  <a16:creationId xmlns:a16="http://schemas.microsoft.com/office/drawing/2014/main" id="{2EE32A3D-F590-4DE1-AE7B-5198622462C8}"/>
+                </a:ext>
+              </a:extLst>
+            </p:cNvPr>
+            <p:cNvSpPr/>
+            <p:nvPr/>
+          </p:nvSpPr>
+          <p:spPr>
+            <a:xfrm>
+              <a:off x="2974034" y="2807578"/>
+              <a:ext cx="535761" cy="535761"/>
+            </a:xfrm>
+            <a:prstGeom prst="rect">
+              <a:avLst/>
+            </a:prstGeom>
+            <a:grpFill/>
+            <a:ln w="57150">
+              <a:solidFill>
+                <a:srgbClr val="C00000"/>
+              </a:solidFill>
+            </a:ln>
+          </p:spPr>
+          <p:style>
+            <a:lnRef idx="2">
+              <a:schemeClr val="accent1">
+                <a:shade val="50000"/>
+              </a:schemeClr>
+            </a:lnRef>
+            <a:fillRef idx="1">
+              <a:schemeClr val="accent1"/>
+            </a:fillRef>
+            <a:effectRef idx="0">
+              <a:schemeClr val="accent1"/>
+            </a:effectRef>
+            <a:fontRef idx="minor">
+              <a:schemeClr val="lt1"/>
+            </a:fontRef>
+          </p:style>
+          <p:txBody>
+            <a:bodyPr rtlCol="0" anchor="ctr"/>
+            <a:lstStyle/>
+            <a:p>
+              <a:pPr algn="ctr"/>
+              <a:endParaRPr lang="en-ZA" dirty="0"/>
+            </a:p>
+          </p:txBody>
+        </p:sp>
+        <p:sp>
+          <p:nvSpPr>
+            <p:cNvPr id="22" name="Rectangle 21">
+              <a:extLst>
+                <a:ext uri="{FF2B5EF4-FFF2-40B4-BE49-F238E27FC236}">
+                  <a16:creationId xmlns:a16="http://schemas.microsoft.com/office/drawing/2014/main" id="{A29258B4-021D-441E-A7F5-031F31491BEB}"/>
+                </a:ext>
+              </a:extLst>
+            </p:cNvPr>
+            <p:cNvSpPr/>
+            <p:nvPr/>
+          </p:nvSpPr>
+          <p:spPr>
+            <a:xfrm>
+              <a:off x="4045558" y="2807578"/>
+              <a:ext cx="535761" cy="535761"/>
+            </a:xfrm>
+            <a:prstGeom prst="rect">
+              <a:avLst/>
+            </a:prstGeom>
+            <a:grpFill/>
+            <a:ln w="57150">
+              <a:solidFill>
+                <a:srgbClr val="C00000"/>
+              </a:solidFill>
+            </a:ln>
+          </p:spPr>
+          <p:style>
+            <a:lnRef idx="2">
+              <a:schemeClr val="accent1">
+                <a:shade val="50000"/>
+              </a:schemeClr>
+            </a:lnRef>
+            <a:fillRef idx="1">
+              <a:schemeClr val="accent1"/>
+            </a:fillRef>
+            <a:effectRef idx="0">
+              <a:schemeClr val="accent1"/>
+            </a:effectRef>
+            <a:fontRef idx="minor">
+              <a:schemeClr val="lt1"/>
+            </a:fontRef>
+          </p:style>
+          <p:txBody>
+            <a:bodyPr rtlCol="0" anchor="ctr"/>
+            <a:lstStyle/>
+            <a:p>
+              <a:pPr algn="ctr"/>
+              <a:endParaRPr lang="en-ZA" dirty="0"/>
+            </a:p>
+          </p:txBody>
+        </p:sp>
+        <p:sp>
+          <p:nvSpPr>
+            <p:cNvPr id="23" name="Rectangle 22">
+              <a:extLst>
+                <a:ext uri="{FF2B5EF4-FFF2-40B4-BE49-F238E27FC236}">
+                  <a16:creationId xmlns:a16="http://schemas.microsoft.com/office/drawing/2014/main" id="{7093C2AE-0879-492C-9431-CF9285708C05}"/>
+                </a:ext>
+              </a:extLst>
+            </p:cNvPr>
+            <p:cNvSpPr/>
+            <p:nvPr/>
+          </p:nvSpPr>
+          <p:spPr>
+            <a:xfrm>
+              <a:off x="5652845" y="3343339"/>
+              <a:ext cx="535761" cy="535761"/>
+            </a:xfrm>
+            <a:prstGeom prst="rect">
+              <a:avLst/>
+            </a:prstGeom>
+            <a:grpFill/>
+            <a:ln w="57150">
+              <a:solidFill>
+                <a:srgbClr val="C00000"/>
+              </a:solidFill>
+            </a:ln>
+          </p:spPr>
+          <p:style>
+            <a:lnRef idx="2">
+              <a:schemeClr val="accent1">
+                <a:shade val="50000"/>
+              </a:schemeClr>
+            </a:lnRef>
+            <a:fillRef idx="1">
+              <a:schemeClr val="accent1"/>
+            </a:fillRef>
+            <a:effectRef idx="0">
+              <a:schemeClr val="accent1"/>
+            </a:effectRef>
+            <a:fontRef idx="minor">
+              <a:schemeClr val="lt1"/>
+            </a:fontRef>
+          </p:style>
+          <p:txBody>
+            <a:bodyPr rtlCol="0" anchor="ctr"/>
+            <a:lstStyle/>
+            <a:p>
+              <a:pPr algn="ctr"/>
+              <a:endParaRPr lang="en-ZA"/>
+            </a:p>
+          </p:txBody>
+        </p:sp>
+        <p:sp>
+          <p:nvSpPr>
+            <p:cNvPr id="24" name="Rectangle 23">
+              <a:extLst>
+                <a:ext uri="{FF2B5EF4-FFF2-40B4-BE49-F238E27FC236}">
+                  <a16:creationId xmlns:a16="http://schemas.microsoft.com/office/drawing/2014/main" id="{DDFCC316-DB69-45BC-B3CF-F2EA5484212D}"/>
+                </a:ext>
+              </a:extLst>
+            </p:cNvPr>
+            <p:cNvSpPr/>
+            <p:nvPr/>
+          </p:nvSpPr>
+          <p:spPr>
+            <a:xfrm>
+              <a:off x="5652844" y="2803145"/>
+              <a:ext cx="535761" cy="535761"/>
+            </a:xfrm>
+            <a:prstGeom prst="rect">
+              <a:avLst/>
+            </a:prstGeom>
+            <a:grpFill/>
+            <a:ln w="57150">
+              <a:solidFill>
+                <a:srgbClr val="C00000"/>
+              </a:solidFill>
+            </a:ln>
+          </p:spPr>
+          <p:style>
+            <a:lnRef idx="2">
+              <a:schemeClr val="accent1">
+                <a:shade val="50000"/>
+              </a:schemeClr>
+            </a:lnRef>
+            <a:fillRef idx="1">
+              <a:schemeClr val="accent1"/>
+            </a:fillRef>
+            <a:effectRef idx="0">
+              <a:schemeClr val="accent1"/>
+            </a:effectRef>
+            <a:fontRef idx="minor">
+              <a:schemeClr val="lt1"/>
+            </a:fontRef>
+          </p:style>
+          <p:txBody>
+            <a:bodyPr rtlCol="0" anchor="ctr"/>
+            <a:lstStyle/>
+            <a:p>
+              <a:pPr algn="ctr"/>
+              <a:endParaRPr lang="en-ZA" dirty="0"/>
+            </a:p>
+          </p:txBody>
+        </p:sp>
+        <p:sp>
+          <p:nvSpPr>
+            <p:cNvPr id="25" name="Rectangle 24">
+              <a:extLst>
+                <a:ext uri="{FF2B5EF4-FFF2-40B4-BE49-F238E27FC236}">
+                  <a16:creationId xmlns:a16="http://schemas.microsoft.com/office/drawing/2014/main" id="{515E5119-8D6C-45A8-B25D-209C5E3E00FE}"/>
+                </a:ext>
+              </a:extLst>
+            </p:cNvPr>
+            <p:cNvSpPr/>
+            <p:nvPr/>
+          </p:nvSpPr>
+          <p:spPr>
+            <a:xfrm>
+              <a:off x="5117082" y="2803145"/>
+              <a:ext cx="535761" cy="535761"/>
+            </a:xfrm>
+            <a:prstGeom prst="rect">
+              <a:avLst/>
+            </a:prstGeom>
+            <a:grpFill/>
+            <a:ln w="57150">
+              <a:solidFill>
+                <a:srgbClr val="C00000"/>
+              </a:solidFill>
+            </a:ln>
+          </p:spPr>
+          <p:style>
+            <a:lnRef idx="2">
+              <a:schemeClr val="accent1">
+                <a:shade val="50000"/>
+              </a:schemeClr>
+            </a:lnRef>
+            <a:fillRef idx="1">
+              <a:schemeClr val="accent1"/>
+            </a:fillRef>
+            <a:effectRef idx="0">
+              <a:schemeClr val="accent1"/>
+            </a:effectRef>
+            <a:fontRef idx="minor">
+              <a:schemeClr val="lt1"/>
+            </a:fontRef>
+          </p:style>
+          <p:txBody>
+            <a:bodyPr rtlCol="0" anchor="ctr"/>
+            <a:lstStyle/>
+            <a:p>
+              <a:pPr algn="ctr"/>
+              <a:endParaRPr lang="en-ZA" dirty="0"/>
+            </a:p>
+          </p:txBody>
+        </p:sp>
+        <p:sp>
+          <p:nvSpPr>
+            <p:cNvPr id="26" name="Rectangle 25">
+              <a:extLst>
+                <a:ext uri="{FF2B5EF4-FFF2-40B4-BE49-F238E27FC236}">
+                  <a16:creationId xmlns:a16="http://schemas.microsoft.com/office/drawing/2014/main" id="{36E5B2F4-DEEF-403B-82F4-32966B4DE661}"/>
+                </a:ext>
+              </a:extLst>
+            </p:cNvPr>
+            <p:cNvSpPr/>
+            <p:nvPr/>
+          </p:nvSpPr>
+          <p:spPr>
+            <a:xfrm>
+              <a:off x="6188606" y="2803145"/>
+              <a:ext cx="535761" cy="535761"/>
+            </a:xfrm>
+            <a:prstGeom prst="rect">
+              <a:avLst/>
+            </a:prstGeom>
+            <a:grpFill/>
+            <a:ln w="57150">
+              <a:solidFill>
+                <a:srgbClr val="C00000"/>
+              </a:solidFill>
+            </a:ln>
+          </p:spPr>
+          <p:style>
+            <a:lnRef idx="2">
+              <a:schemeClr val="accent1">
+                <a:shade val="50000"/>
+              </a:schemeClr>
+            </a:lnRef>
+            <a:fillRef idx="1">
+              <a:schemeClr val="accent1"/>
+            </a:fillRef>
+            <a:effectRef idx="0">
+              <a:schemeClr val="accent1"/>
+            </a:effectRef>
+            <a:fontRef idx="minor">
+              <a:schemeClr val="lt1"/>
+            </a:fontRef>
+          </p:style>
+          <p:txBody>
+            <a:bodyPr rtlCol="0" anchor="ctr"/>
+            <a:lstStyle/>
+            <a:p>
+              <a:pPr algn="ctr"/>
+              <a:endParaRPr lang="en-ZA" dirty="0"/>
+            </a:p>
+          </p:txBody>
+        </p:sp>
+      </p:grpSp>
+      <p:grpSp>
+        <p:nvGrpSpPr>
+          <p:cNvPr id="64" name="Group 63">
+            <a:extLst>
+              <a:ext uri="{FF2B5EF4-FFF2-40B4-BE49-F238E27FC236}">
+                <a16:creationId xmlns:a16="http://schemas.microsoft.com/office/drawing/2014/main" id="{BA7AEC9F-3525-4031-A528-F685C11D086A}"/>
+              </a:ext>
+            </a:extLst>
+          </p:cNvPr>
+          <p:cNvGrpSpPr/>
+          <p:nvPr/>
+        </p:nvGrpSpPr>
+        <p:grpSpPr>
+          <a:xfrm>
+            <a:off x="6534626" y="2916411"/>
+            <a:ext cx="7550412" cy="3936587"/>
+            <a:chOff x="6534626" y="2916411"/>
+            <a:chExt cx="7550412" cy="3936587"/>
+          </a:xfrm>
+        </p:grpSpPr>
+        <p:sp>
+          <p:nvSpPr>
+            <p:cNvPr id="4" name="Rectangle 3">
+              <a:extLst>
+                <a:ext uri="{FF2B5EF4-FFF2-40B4-BE49-F238E27FC236}">
+                  <a16:creationId xmlns:a16="http://schemas.microsoft.com/office/drawing/2014/main" id="{327593CE-7179-4CFA-B60D-F00CE37D1100}"/>
+                </a:ext>
+              </a:extLst>
+            </p:cNvPr>
+            <p:cNvSpPr/>
+            <p:nvPr/>
+          </p:nvSpPr>
+          <p:spPr>
+            <a:xfrm rot="20270220">
+              <a:off x="9040776" y="4317200"/>
+              <a:ext cx="535761" cy="1071522"/>
+            </a:xfrm>
+            <a:prstGeom prst="rect">
+              <a:avLst/>
+            </a:prstGeom>
+            <a:noFill/>
+            <a:ln w="28575">
+              <a:solidFill>
+                <a:srgbClr val="C00000"/>
+              </a:solidFill>
+              <a:prstDash val="dash"/>
+            </a:ln>
+          </p:spPr>
+          <p:style>
+            <a:lnRef idx="2">
+              <a:schemeClr val="accent1">
+                <a:shade val="50000"/>
+              </a:schemeClr>
+            </a:lnRef>
+            <a:fillRef idx="1">
+              <a:schemeClr val="accent1"/>
+            </a:fillRef>
+            <a:effectRef idx="0">
+              <a:schemeClr val="accent1"/>
+            </a:effectRef>
+            <a:fontRef idx="minor">
+              <a:schemeClr val="lt1"/>
+            </a:fontRef>
+          </p:style>
+          <p:txBody>
+            <a:bodyPr rtlCol="0" anchor="ctr"/>
+            <a:lstStyle/>
+            <a:p>
+              <a:pPr algn="ctr"/>
+              <a:endParaRPr lang="en-ZA"/>
+            </a:p>
+          </p:txBody>
+        </p:sp>
+        <p:sp>
+          <p:nvSpPr>
+            <p:cNvPr id="6" name="Rectangle 5">
+              <a:extLst>
+                <a:ext uri="{FF2B5EF4-FFF2-40B4-BE49-F238E27FC236}">
+                  <a16:creationId xmlns:a16="http://schemas.microsoft.com/office/drawing/2014/main" id="{E73641C7-5283-4AC1-9EF5-92F0812302FB}"/>
+                </a:ext>
+              </a:extLst>
+            </p:cNvPr>
+            <p:cNvSpPr/>
+            <p:nvPr/>
+          </p:nvSpPr>
+          <p:spPr>
+            <a:xfrm>
+              <a:off x="9781067" y="5255150"/>
+              <a:ext cx="1071523" cy="1071522"/>
+            </a:xfrm>
+            <a:prstGeom prst="rect">
+              <a:avLst/>
+            </a:prstGeom>
+            <a:noFill/>
+            <a:ln w="28575">
+              <a:solidFill>
+                <a:srgbClr val="C00000"/>
+              </a:solidFill>
+              <a:prstDash val="dash"/>
+            </a:ln>
+          </p:spPr>
+          <p:style>
+            <a:lnRef idx="2">
+              <a:schemeClr val="accent1">
+                <a:shade val="50000"/>
+              </a:schemeClr>
+            </a:lnRef>
+            <a:fillRef idx="1">
+              <a:schemeClr val="accent1"/>
+            </a:fillRef>
+            <a:effectRef idx="0">
+              <a:schemeClr val="accent1"/>
+            </a:effectRef>
+            <a:fontRef idx="minor">
+              <a:schemeClr val="lt1"/>
+            </a:fontRef>
+          </p:style>
+          <p:txBody>
+            <a:bodyPr rtlCol="0" anchor="ctr"/>
+            <a:lstStyle/>
+            <a:p>
+              <a:pPr algn="ctr"/>
+              <a:endParaRPr lang="en-ZA"/>
+            </a:p>
+          </p:txBody>
+        </p:sp>
+        <p:sp>
+          <p:nvSpPr>
+            <p:cNvPr id="8" name="Flowchart: Manual Operation 7">
+              <a:extLst>
+                <a:ext uri="{FF2B5EF4-FFF2-40B4-BE49-F238E27FC236}">
+                  <a16:creationId xmlns:a16="http://schemas.microsoft.com/office/drawing/2014/main" id="{5100C6D7-F358-46F9-AC39-BEB73CBADFC5}"/>
+                </a:ext>
+              </a:extLst>
+            </p:cNvPr>
+            <p:cNvSpPr/>
+            <p:nvPr/>
+          </p:nvSpPr>
+          <p:spPr>
+            <a:xfrm>
+              <a:off x="9781068" y="6317237"/>
+              <a:ext cx="1071523" cy="535761"/>
+            </a:xfrm>
+            <a:prstGeom prst="flowChartManualOperation">
+              <a:avLst/>
+            </a:prstGeom>
+            <a:noFill/>
+            <a:ln w="28575">
+              <a:solidFill>
+                <a:srgbClr val="C00000"/>
+              </a:solidFill>
+              <a:prstDash val="dash"/>
+            </a:ln>
+          </p:spPr>
+          <p:style>
+            <a:lnRef idx="2">
+              <a:schemeClr val="accent1">
+                <a:shade val="50000"/>
+              </a:schemeClr>
+            </a:lnRef>
+            <a:fillRef idx="1">
+              <a:schemeClr val="accent1"/>
+            </a:fillRef>
+            <a:effectRef idx="0">
+              <a:schemeClr val="accent1"/>
+            </a:effectRef>
+            <a:fontRef idx="minor">
+              <a:schemeClr val="lt1"/>
+            </a:fontRef>
+          </p:style>
+          <p:txBody>
+            <a:bodyPr rtlCol="0" anchor="ctr"/>
+            <a:lstStyle/>
+            <a:p>
+              <a:pPr algn="ctr"/>
+              <a:endParaRPr lang="en-ZA"/>
+            </a:p>
+          </p:txBody>
+        </p:sp>
+        <p:sp>
+          <p:nvSpPr>
+            <p:cNvPr id="46" name="Flowchart: Manual Operation 45">
+              <a:extLst>
+                <a:ext uri="{FF2B5EF4-FFF2-40B4-BE49-F238E27FC236}">
+                  <a16:creationId xmlns:a16="http://schemas.microsoft.com/office/drawing/2014/main" id="{934F74A5-D0B6-4EC8-8F67-08BEDEE65725}"/>
+                </a:ext>
+              </a:extLst>
+            </p:cNvPr>
+            <p:cNvSpPr/>
+            <p:nvPr/>
+          </p:nvSpPr>
+          <p:spPr>
+            <a:xfrm rot="16200000">
+              <a:off x="10584710" y="5501644"/>
+              <a:ext cx="1071523" cy="535761"/>
+            </a:xfrm>
+            <a:prstGeom prst="flowChartManualOperation">
+              <a:avLst/>
+            </a:prstGeom>
+            <a:noFill/>
+            <a:ln w="28575">
+              <a:solidFill>
+                <a:srgbClr val="C00000"/>
+              </a:solidFill>
+              <a:prstDash val="dash"/>
+            </a:ln>
+          </p:spPr>
+          <p:style>
+            <a:lnRef idx="2">
+              <a:schemeClr val="accent1">
+                <a:shade val="50000"/>
+              </a:schemeClr>
+            </a:lnRef>
+            <a:fillRef idx="1">
+              <a:schemeClr val="accent1"/>
+            </a:fillRef>
+            <a:effectRef idx="0">
+              <a:schemeClr val="accent1"/>
+            </a:effectRef>
+            <a:fontRef idx="minor">
+              <a:schemeClr val="lt1"/>
+            </a:fontRef>
+          </p:style>
+          <p:txBody>
+            <a:bodyPr rtlCol="0" anchor="ctr"/>
+            <a:lstStyle/>
+            <a:p>
+              <a:pPr algn="ctr"/>
+              <a:endParaRPr lang="en-ZA"/>
+            </a:p>
+          </p:txBody>
+        </p:sp>
+        <p:sp>
+          <p:nvSpPr>
+            <p:cNvPr id="47" name="Flowchart: Manual Operation 46">
+              <a:extLst>
+                <a:ext uri="{FF2B5EF4-FFF2-40B4-BE49-F238E27FC236}">
+                  <a16:creationId xmlns:a16="http://schemas.microsoft.com/office/drawing/2014/main" id="{0540E4DB-FC39-482D-AEE8-F0DD0FA183B3}"/>
+                </a:ext>
+              </a:extLst>
+            </p:cNvPr>
+            <p:cNvSpPr/>
+            <p:nvPr/>
+          </p:nvSpPr>
+          <p:spPr>
+            <a:xfrm rot="5400000">
+              <a:off x="8977424" y="5504730"/>
+              <a:ext cx="1071523" cy="535761"/>
+            </a:xfrm>
+            <a:prstGeom prst="flowChartManualOperation">
+              <a:avLst/>
+            </a:prstGeom>
+            <a:noFill/>
+            <a:ln w="28575">
+              <a:solidFill>
+                <a:srgbClr val="C00000"/>
+              </a:solidFill>
+              <a:prstDash val="dash"/>
+            </a:ln>
+          </p:spPr>
+          <p:style>
+            <a:lnRef idx="2">
+              <a:schemeClr val="accent1">
+                <a:shade val="50000"/>
+              </a:schemeClr>
+            </a:lnRef>
+            <a:fillRef idx="1">
+              <a:schemeClr val="accent1"/>
+            </a:fillRef>
+            <a:effectRef idx="0">
+              <a:schemeClr val="accent1"/>
+            </a:effectRef>
+            <a:fontRef idx="minor">
+              <a:schemeClr val="lt1"/>
+            </a:fontRef>
+          </p:style>
+          <p:txBody>
+            <a:bodyPr rtlCol="0" anchor="ctr"/>
+            <a:lstStyle/>
+            <a:p>
+              <a:pPr algn="ctr"/>
+              <a:endParaRPr lang="en-ZA"/>
+            </a:p>
+          </p:txBody>
+        </p:sp>
+        <p:sp>
+          <p:nvSpPr>
+            <p:cNvPr id="49" name="Rectangle 48">
+              <a:extLst>
+                <a:ext uri="{FF2B5EF4-FFF2-40B4-BE49-F238E27FC236}">
+                  <a16:creationId xmlns:a16="http://schemas.microsoft.com/office/drawing/2014/main" id="{A2BB6CDC-3CD3-41E8-AF38-5220BF79A2E5}"/>
+                </a:ext>
+              </a:extLst>
+            </p:cNvPr>
+            <p:cNvSpPr/>
+            <p:nvPr/>
+          </p:nvSpPr>
+          <p:spPr>
+            <a:xfrm rot="1329780" flipH="1">
+              <a:off x="11064857" y="4311225"/>
+              <a:ext cx="535761" cy="1071522"/>
+            </a:xfrm>
+            <a:prstGeom prst="rect">
+              <a:avLst/>
+            </a:prstGeom>
+            <a:noFill/>
+            <a:ln w="28575">
+              <a:solidFill>
+                <a:srgbClr val="C00000"/>
+              </a:solidFill>
+              <a:prstDash val="dash"/>
+            </a:ln>
+          </p:spPr>
+          <p:style>
+            <a:lnRef idx="2">
+              <a:schemeClr val="accent1">
+                <a:shade val="50000"/>
+              </a:schemeClr>
+            </a:lnRef>
+            <a:fillRef idx="1">
+              <a:schemeClr val="accent1"/>
+            </a:fillRef>
+            <a:effectRef idx="0">
+              <a:schemeClr val="accent1"/>
+            </a:effectRef>
+            <a:fontRef idx="minor">
+              <a:schemeClr val="lt1"/>
+            </a:fontRef>
+          </p:style>
+          <p:txBody>
+            <a:bodyPr rtlCol="0" anchor="ctr"/>
+            <a:lstStyle/>
+            <a:p>
+              <a:pPr algn="ctr"/>
+              <a:endParaRPr lang="en-ZA"/>
+            </a:p>
+          </p:txBody>
+        </p:sp>
+        <p:sp>
+          <p:nvSpPr>
+            <p:cNvPr id="50" name="Flowchart: Decision 49">
+              <a:extLst>
+                <a:ext uri="{FF2B5EF4-FFF2-40B4-BE49-F238E27FC236}">
+                  <a16:creationId xmlns:a16="http://schemas.microsoft.com/office/drawing/2014/main" id="{5120BCFA-78EA-4787-B762-9C0022CEF8D6}"/>
+                </a:ext>
+              </a:extLst>
+            </p:cNvPr>
+            <p:cNvSpPr/>
+            <p:nvPr/>
+          </p:nvSpPr>
+          <p:spPr>
+            <a:xfrm rot="5924298">
+              <a:off x="8462854" y="3552409"/>
+              <a:ext cx="726693" cy="1163528"/>
+            </a:xfrm>
+            <a:prstGeom prst="flowChartDecision">
+              <a:avLst/>
+            </a:prstGeom>
+            <a:noFill/>
+            <a:ln w="28575">
+              <a:solidFill>
+                <a:srgbClr val="C00000"/>
+              </a:solidFill>
+              <a:prstDash val="dash"/>
+            </a:ln>
+          </p:spPr>
+          <p:style>
+            <a:lnRef idx="2">
+              <a:schemeClr val="accent1">
+                <a:shade val="50000"/>
+              </a:schemeClr>
+            </a:lnRef>
+            <a:fillRef idx="1">
+              <a:schemeClr val="accent1"/>
+            </a:fillRef>
+            <a:effectRef idx="0">
+              <a:schemeClr val="accent1"/>
+            </a:effectRef>
+            <a:fontRef idx="minor">
+              <a:schemeClr val="lt1"/>
+            </a:fontRef>
+          </p:style>
+          <p:txBody>
+            <a:bodyPr rtlCol="0" anchor="ctr"/>
+            <a:lstStyle/>
+            <a:p>
+              <a:pPr algn="ctr"/>
+              <a:endParaRPr lang="en-ZA"/>
+            </a:p>
+          </p:txBody>
+        </p:sp>
+        <p:sp>
+          <p:nvSpPr>
+            <p:cNvPr id="51" name="Flowchart: Decision 50">
+              <a:extLst>
+                <a:ext uri="{FF2B5EF4-FFF2-40B4-BE49-F238E27FC236}">
+                  <a16:creationId xmlns:a16="http://schemas.microsoft.com/office/drawing/2014/main" id="{9CAE21DC-8795-49A1-8DD0-338FEA93F3DB}"/>
+                </a:ext>
+              </a:extLst>
+            </p:cNvPr>
+            <p:cNvSpPr/>
+            <p:nvPr/>
+          </p:nvSpPr>
+          <p:spPr>
+            <a:xfrm rot="15675702" flipH="1">
+              <a:off x="11426875" y="3545822"/>
+              <a:ext cx="726693" cy="1163528"/>
+            </a:xfrm>
+            <a:prstGeom prst="flowChartDecision">
+              <a:avLst/>
+            </a:prstGeom>
+            <a:noFill/>
+            <a:ln w="28575">
+              <a:solidFill>
+                <a:srgbClr val="C00000"/>
+              </a:solidFill>
+              <a:prstDash val="dash"/>
+            </a:ln>
+          </p:spPr>
+          <p:style>
+            <a:lnRef idx="2">
+              <a:schemeClr val="accent1">
+                <a:shade val="50000"/>
+              </a:schemeClr>
+            </a:lnRef>
+            <a:fillRef idx="1">
+              <a:schemeClr val="accent1"/>
+            </a:fillRef>
+            <a:effectRef idx="0">
+              <a:schemeClr val="accent1"/>
+            </a:effectRef>
+            <a:fontRef idx="minor">
+              <a:schemeClr val="lt1"/>
+            </a:fontRef>
+          </p:style>
+          <p:txBody>
+            <a:bodyPr rtlCol="0" anchor="ctr"/>
+            <a:lstStyle/>
+            <a:p>
+              <a:pPr algn="ctr"/>
+              <a:endParaRPr lang="en-ZA"/>
+            </a:p>
+          </p:txBody>
+        </p:sp>
+        <p:sp>
+          <p:nvSpPr>
+            <p:cNvPr id="52" name="Rectangle 51">
+              <a:extLst>
+                <a:ext uri="{FF2B5EF4-FFF2-40B4-BE49-F238E27FC236}">
+                  <a16:creationId xmlns:a16="http://schemas.microsoft.com/office/drawing/2014/main" id="{B5C98387-99F2-499E-908C-8DD4C1EB5E09}"/>
+                </a:ext>
+              </a:extLst>
+            </p:cNvPr>
+            <p:cNvSpPr/>
+            <p:nvPr/>
+          </p:nvSpPr>
+          <p:spPr>
+            <a:xfrm rot="2375518">
+              <a:off x="7915991" y="4152596"/>
+              <a:ext cx="535761" cy="1071522"/>
+            </a:xfrm>
+            <a:prstGeom prst="rect">
+              <a:avLst/>
+            </a:prstGeom>
+            <a:noFill/>
+            <a:ln w="28575">
+              <a:solidFill>
+                <a:srgbClr val="C00000"/>
+              </a:solidFill>
+              <a:prstDash val="dash"/>
+            </a:ln>
+          </p:spPr>
+          <p:style>
+            <a:lnRef idx="2">
+              <a:schemeClr val="accent1">
+                <a:shade val="50000"/>
+              </a:schemeClr>
+            </a:lnRef>
+            <a:fillRef idx="1">
+              <a:schemeClr val="accent1"/>
+            </a:fillRef>
+            <a:effectRef idx="0">
+              <a:schemeClr val="accent1"/>
+            </a:effectRef>
+            <a:fontRef idx="minor">
+              <a:schemeClr val="lt1"/>
+            </a:fontRef>
+          </p:style>
+          <p:txBody>
+            <a:bodyPr rtlCol="0" anchor="ctr"/>
+            <a:lstStyle/>
+            <a:p>
+              <a:pPr algn="ctr"/>
+              <a:endParaRPr lang="en-ZA"/>
+            </a:p>
+          </p:txBody>
+        </p:sp>
+        <p:sp>
+          <p:nvSpPr>
+            <p:cNvPr id="53" name="Rectangle 52">
+              <a:extLst>
+                <a:ext uri="{FF2B5EF4-FFF2-40B4-BE49-F238E27FC236}">
+                  <a16:creationId xmlns:a16="http://schemas.microsoft.com/office/drawing/2014/main" id="{2E4245E5-3254-48E3-94BB-B870511761A8}"/>
+                </a:ext>
+              </a:extLst>
+            </p:cNvPr>
+            <p:cNvSpPr/>
+            <p:nvPr/>
+          </p:nvSpPr>
+          <p:spPr>
+            <a:xfrm rot="19224482" flipH="1">
+              <a:off x="12186904" y="4135807"/>
+              <a:ext cx="535761" cy="1086047"/>
+            </a:xfrm>
+            <a:prstGeom prst="rect">
+              <a:avLst/>
+            </a:prstGeom>
+            <a:noFill/>
+            <a:ln w="28575">
+              <a:solidFill>
+                <a:srgbClr val="C00000"/>
+              </a:solidFill>
+              <a:prstDash val="dash"/>
+            </a:ln>
+          </p:spPr>
+          <p:style>
+            <a:lnRef idx="2">
+              <a:schemeClr val="accent1">
+                <a:shade val="50000"/>
+              </a:schemeClr>
+            </a:lnRef>
+            <a:fillRef idx="1">
+              <a:schemeClr val="accent1"/>
+            </a:fillRef>
+            <a:effectRef idx="0">
+              <a:schemeClr val="accent1"/>
+            </a:effectRef>
+            <a:fontRef idx="minor">
+              <a:schemeClr val="lt1"/>
+            </a:fontRef>
+          </p:style>
+          <p:txBody>
+            <a:bodyPr rtlCol="0" anchor="ctr"/>
+            <a:lstStyle/>
+            <a:p>
+              <a:pPr algn="ctr"/>
+              <a:endParaRPr lang="en-ZA"/>
+            </a:p>
+          </p:txBody>
+        </p:sp>
+        <p:grpSp>
+          <p:nvGrpSpPr>
+            <p:cNvPr id="58" name="Group 57">
+              <a:extLst>
+                <a:ext uri="{FF2B5EF4-FFF2-40B4-BE49-F238E27FC236}">
+                  <a16:creationId xmlns:a16="http://schemas.microsoft.com/office/drawing/2014/main" id="{7559186C-BB99-4236-9E98-056A968A8395}"/>
+                </a:ext>
+              </a:extLst>
+            </p:cNvPr>
+            <p:cNvGrpSpPr/>
+            <p:nvPr/>
+          </p:nvGrpSpPr>
+          <p:grpSpPr>
+            <a:xfrm rot="18586505">
+              <a:off x="6272720" y="3190927"/>
+              <a:ext cx="2143047" cy="1619235"/>
+              <a:chOff x="9397705" y="5386163"/>
+              <a:chExt cx="2143047" cy="1619235"/>
+            </a:xfrm>
+          </p:grpSpPr>
+          <p:sp>
+            <p:nvSpPr>
+              <p:cNvPr id="54" name="Rectangle 53">
+                <a:extLst>
+                  <a:ext uri="{FF2B5EF4-FFF2-40B4-BE49-F238E27FC236}">
+                    <a16:creationId xmlns:a16="http://schemas.microsoft.com/office/drawing/2014/main" id="{BDE5E297-C46B-41E1-B161-A63EE7265C61}"/>
+                  </a:ext>
+                </a:extLst>
+              </p:cNvPr>
+              <p:cNvSpPr/>
+              <p:nvPr/>
+            </p:nvSpPr>
+            <p:spPr>
+              <a:xfrm>
+                <a:off x="9933467" y="5407550"/>
+                <a:ext cx="1071523" cy="1071522"/>
+              </a:xfrm>
+              <a:prstGeom prst="rect">
+                <a:avLst/>
+              </a:prstGeom>
+              <a:noFill/>
+              <a:ln w="28575">
+                <a:solidFill>
+                  <a:srgbClr val="C00000"/>
+                </a:solidFill>
+                <a:prstDash val="dash"/>
+              </a:ln>
+            </p:spPr>
+            <p:style>
+              <a:lnRef idx="2">
+                <a:schemeClr val="accent1">
+                  <a:shade val="50000"/>
+                </a:schemeClr>
+              </a:lnRef>
+              <a:fillRef idx="1">
+                <a:schemeClr val="accent1"/>
+              </a:fillRef>
+              <a:effectRef idx="0">
+                <a:schemeClr val="accent1"/>
+              </a:effectRef>
+              <a:fontRef idx="minor">
+                <a:schemeClr val="lt1"/>
+              </a:fontRef>
+            </p:style>
+            <p:txBody>
+              <a:bodyPr rtlCol="0" anchor="ctr"/>
+              <a:lstStyle/>
+              <a:p>
+                <a:pPr algn="ctr"/>
+                <a:endParaRPr lang="en-ZA"/>
+              </a:p>
+            </p:txBody>
+          </p:sp>
+          <p:sp>
+            <p:nvSpPr>
+              <p:cNvPr id="55" name="Flowchart: Manual Operation 54">
+                <a:extLst>
+                  <a:ext uri="{FF2B5EF4-FFF2-40B4-BE49-F238E27FC236}">
+                    <a16:creationId xmlns:a16="http://schemas.microsoft.com/office/drawing/2014/main" id="{57616B19-35B2-4C0E-A706-7B6796F3F70F}"/>
+                  </a:ext>
+                </a:extLst>
+              </p:cNvPr>
+              <p:cNvSpPr/>
+              <p:nvPr/>
+            </p:nvSpPr>
+            <p:spPr>
+              <a:xfrm>
+                <a:off x="9933468" y="6469637"/>
+                <a:ext cx="1071523" cy="535761"/>
+              </a:xfrm>
+              <a:prstGeom prst="flowChartManualOperation">
+                <a:avLst/>
+              </a:prstGeom>
+              <a:noFill/>
+              <a:ln w="28575">
+                <a:solidFill>
+                  <a:srgbClr val="C00000"/>
+                </a:solidFill>
+                <a:prstDash val="dash"/>
+              </a:ln>
+            </p:spPr>
+            <p:style>
+              <a:lnRef idx="2">
+                <a:schemeClr val="accent1">
+                  <a:shade val="50000"/>
+                </a:schemeClr>
+              </a:lnRef>
+              <a:fillRef idx="1">
+                <a:schemeClr val="accent1"/>
+              </a:fillRef>
+              <a:effectRef idx="0">
+                <a:schemeClr val="accent1"/>
+              </a:effectRef>
+              <a:fontRef idx="minor">
+                <a:schemeClr val="lt1"/>
+              </a:fontRef>
+            </p:style>
+            <p:txBody>
+              <a:bodyPr rtlCol="0" anchor="ctr"/>
+              <a:lstStyle/>
+              <a:p>
+                <a:pPr algn="ctr"/>
+                <a:endParaRPr lang="en-ZA"/>
+              </a:p>
+            </p:txBody>
+          </p:sp>
+          <p:sp>
+            <p:nvSpPr>
+              <p:cNvPr id="56" name="Flowchart: Manual Operation 55">
+                <a:extLst>
+                  <a:ext uri="{FF2B5EF4-FFF2-40B4-BE49-F238E27FC236}">
+                    <a16:creationId xmlns:a16="http://schemas.microsoft.com/office/drawing/2014/main" id="{502D53D1-9447-43CC-9B95-5C87A9C9BB68}"/>
+                  </a:ext>
+                </a:extLst>
+              </p:cNvPr>
+              <p:cNvSpPr/>
+              <p:nvPr/>
+            </p:nvSpPr>
+            <p:spPr>
+              <a:xfrm rot="16200000">
+                <a:off x="10737110" y="5654044"/>
+                <a:ext cx="1071523" cy="535761"/>
+              </a:xfrm>
+              <a:prstGeom prst="flowChartManualOperation">
+                <a:avLst/>
+              </a:prstGeom>
+              <a:noFill/>
+              <a:ln w="28575">
+                <a:solidFill>
+                  <a:srgbClr val="C00000"/>
+                </a:solidFill>
+                <a:prstDash val="dash"/>
+              </a:ln>
+            </p:spPr>
+            <p:style>
+              <a:lnRef idx="2">
+                <a:schemeClr val="accent1">
+                  <a:shade val="50000"/>
+                </a:schemeClr>
+              </a:lnRef>
+              <a:fillRef idx="1">
+                <a:schemeClr val="accent1"/>
+              </a:fillRef>
+              <a:effectRef idx="0">
+                <a:schemeClr val="accent1"/>
+              </a:effectRef>
+              <a:fontRef idx="minor">
+                <a:schemeClr val="lt1"/>
+              </a:fontRef>
+            </p:style>
+            <p:txBody>
+              <a:bodyPr rtlCol="0" anchor="ctr"/>
+              <a:lstStyle/>
+              <a:p>
+                <a:pPr algn="ctr"/>
+                <a:endParaRPr lang="en-ZA"/>
+              </a:p>
+            </p:txBody>
+          </p:sp>
+          <p:sp>
+            <p:nvSpPr>
+              <p:cNvPr id="57" name="Flowchart: Manual Operation 56">
+                <a:extLst>
+                  <a:ext uri="{FF2B5EF4-FFF2-40B4-BE49-F238E27FC236}">
+                    <a16:creationId xmlns:a16="http://schemas.microsoft.com/office/drawing/2014/main" id="{940F9B93-1675-42E5-B531-EF89BCDD9E83}"/>
+                  </a:ext>
+                </a:extLst>
+              </p:cNvPr>
+              <p:cNvSpPr/>
+              <p:nvPr/>
+            </p:nvSpPr>
+            <p:spPr>
+              <a:xfrm rot="5400000">
+                <a:off x="9129824" y="5657130"/>
+                <a:ext cx="1071523" cy="535761"/>
+              </a:xfrm>
+              <a:prstGeom prst="flowChartManualOperation">
+                <a:avLst/>
+              </a:prstGeom>
+              <a:noFill/>
+              <a:ln w="28575">
+                <a:solidFill>
+                  <a:srgbClr val="C00000"/>
+                </a:solidFill>
+                <a:prstDash val="dash"/>
+              </a:ln>
+            </p:spPr>
+            <p:style>
+              <a:lnRef idx="2">
+                <a:schemeClr val="accent1">
+                  <a:shade val="50000"/>
+                </a:schemeClr>
+              </a:lnRef>
+              <a:fillRef idx="1">
+                <a:schemeClr val="accent1"/>
+              </a:fillRef>
+              <a:effectRef idx="0">
+                <a:schemeClr val="accent1"/>
+              </a:effectRef>
+              <a:fontRef idx="minor">
+                <a:schemeClr val="lt1"/>
+              </a:fontRef>
+            </p:style>
+            <p:txBody>
+              <a:bodyPr rtlCol="0" anchor="ctr"/>
+              <a:lstStyle/>
+              <a:p>
+                <a:pPr algn="ctr"/>
+                <a:endParaRPr lang="en-ZA"/>
+              </a:p>
+            </p:txBody>
+          </p:sp>
+        </p:grpSp>
+        <p:grpSp>
+          <p:nvGrpSpPr>
+            <p:cNvPr id="59" name="Group 58">
+              <a:extLst>
+                <a:ext uri="{FF2B5EF4-FFF2-40B4-BE49-F238E27FC236}">
+                  <a16:creationId xmlns:a16="http://schemas.microsoft.com/office/drawing/2014/main" id="{540F885B-7D91-40D8-92A2-B49B8F597594}"/>
+                </a:ext>
+              </a:extLst>
+            </p:cNvPr>
+            <p:cNvGrpSpPr/>
+            <p:nvPr/>
+          </p:nvGrpSpPr>
+          <p:grpSpPr>
+            <a:xfrm rot="3013495" flipH="1">
+              <a:off x="12203897" y="3178317"/>
+              <a:ext cx="2143047" cy="1619235"/>
+              <a:chOff x="9397705" y="5386163"/>
+              <a:chExt cx="2143047" cy="1619235"/>
+            </a:xfrm>
+          </p:grpSpPr>
+          <p:sp>
+            <p:nvSpPr>
+              <p:cNvPr id="60" name="Rectangle 59">
+                <a:extLst>
+                  <a:ext uri="{FF2B5EF4-FFF2-40B4-BE49-F238E27FC236}">
+                    <a16:creationId xmlns:a16="http://schemas.microsoft.com/office/drawing/2014/main" id="{5936E39E-D9D5-4303-9B63-DC4DECDB87FD}"/>
+                  </a:ext>
+                </a:extLst>
+              </p:cNvPr>
+              <p:cNvSpPr/>
+              <p:nvPr/>
+            </p:nvSpPr>
+            <p:spPr>
+              <a:xfrm>
+                <a:off x="9933467" y="5407550"/>
+                <a:ext cx="1071523" cy="1071522"/>
+              </a:xfrm>
+              <a:prstGeom prst="rect">
+                <a:avLst/>
+              </a:prstGeom>
+              <a:noFill/>
+              <a:ln w="28575">
+                <a:solidFill>
+                  <a:srgbClr val="C00000"/>
+                </a:solidFill>
+                <a:prstDash val="dash"/>
+              </a:ln>
+            </p:spPr>
+            <p:style>
+              <a:lnRef idx="2">
+                <a:schemeClr val="accent1">
+                  <a:shade val="50000"/>
+                </a:schemeClr>
+              </a:lnRef>
+              <a:fillRef idx="1">
+                <a:schemeClr val="accent1"/>
+              </a:fillRef>
+              <a:effectRef idx="0">
+                <a:schemeClr val="accent1"/>
+              </a:effectRef>
+              <a:fontRef idx="minor">
+                <a:schemeClr val="lt1"/>
+              </a:fontRef>
+            </p:style>
+            <p:txBody>
+              <a:bodyPr rtlCol="0" anchor="ctr"/>
+              <a:lstStyle/>
+              <a:p>
+                <a:pPr algn="ctr"/>
+                <a:endParaRPr lang="en-ZA"/>
+              </a:p>
+            </p:txBody>
+          </p:sp>
+          <p:sp>
+            <p:nvSpPr>
+              <p:cNvPr id="61" name="Flowchart: Manual Operation 60">
+                <a:extLst>
+                  <a:ext uri="{FF2B5EF4-FFF2-40B4-BE49-F238E27FC236}">
+                    <a16:creationId xmlns:a16="http://schemas.microsoft.com/office/drawing/2014/main" id="{5800C98E-0A72-4BF5-B14F-FDF5BFDFCEE5}"/>
+                  </a:ext>
+                </a:extLst>
+              </p:cNvPr>
+              <p:cNvSpPr/>
+              <p:nvPr/>
+            </p:nvSpPr>
+            <p:spPr>
+              <a:xfrm>
+                <a:off x="9933468" y="6469637"/>
+                <a:ext cx="1071523" cy="535761"/>
+              </a:xfrm>
+              <a:prstGeom prst="flowChartManualOperation">
+                <a:avLst/>
+              </a:prstGeom>
+              <a:noFill/>
+              <a:ln w="28575">
+                <a:solidFill>
+                  <a:srgbClr val="C00000"/>
+                </a:solidFill>
+                <a:prstDash val="dash"/>
+              </a:ln>
+            </p:spPr>
+            <p:style>
+              <a:lnRef idx="2">
+                <a:schemeClr val="accent1">
+                  <a:shade val="50000"/>
+                </a:schemeClr>
+              </a:lnRef>
+              <a:fillRef idx="1">
+                <a:schemeClr val="accent1"/>
+              </a:fillRef>
+              <a:effectRef idx="0">
+                <a:schemeClr val="accent1"/>
+              </a:effectRef>
+              <a:fontRef idx="minor">
+                <a:schemeClr val="lt1"/>
+              </a:fontRef>
+            </p:style>
+            <p:txBody>
+              <a:bodyPr rtlCol="0" anchor="ctr"/>
+              <a:lstStyle/>
+              <a:p>
+                <a:pPr algn="ctr"/>
+                <a:endParaRPr lang="en-ZA"/>
+              </a:p>
+            </p:txBody>
+          </p:sp>
+          <p:sp>
+            <p:nvSpPr>
+              <p:cNvPr id="62" name="Flowchart: Manual Operation 61">
+                <a:extLst>
+                  <a:ext uri="{FF2B5EF4-FFF2-40B4-BE49-F238E27FC236}">
+                    <a16:creationId xmlns:a16="http://schemas.microsoft.com/office/drawing/2014/main" id="{5F1CDBCB-FEFF-4E62-910A-4A092BAAFCF9}"/>
+                  </a:ext>
+                </a:extLst>
+              </p:cNvPr>
+              <p:cNvSpPr/>
+              <p:nvPr/>
+            </p:nvSpPr>
+            <p:spPr>
+              <a:xfrm rot="16200000">
+                <a:off x="10737110" y="5654044"/>
+                <a:ext cx="1071523" cy="535761"/>
+              </a:xfrm>
+              <a:prstGeom prst="flowChartManualOperation">
+                <a:avLst/>
+              </a:prstGeom>
+              <a:noFill/>
+              <a:ln w="28575">
+                <a:solidFill>
+                  <a:srgbClr val="C00000"/>
+                </a:solidFill>
+                <a:prstDash val="dash"/>
+              </a:ln>
+            </p:spPr>
+            <p:style>
+              <a:lnRef idx="2">
+                <a:schemeClr val="accent1">
+                  <a:shade val="50000"/>
+                </a:schemeClr>
+              </a:lnRef>
+              <a:fillRef idx="1">
+                <a:schemeClr val="accent1"/>
+              </a:fillRef>
+              <a:effectRef idx="0">
+                <a:schemeClr val="accent1"/>
+              </a:effectRef>
+              <a:fontRef idx="minor">
+                <a:schemeClr val="lt1"/>
+              </a:fontRef>
+            </p:style>
+            <p:txBody>
+              <a:bodyPr rtlCol="0" anchor="ctr"/>
+              <a:lstStyle/>
+              <a:p>
+                <a:pPr algn="ctr"/>
+                <a:endParaRPr lang="en-ZA"/>
+              </a:p>
+            </p:txBody>
+          </p:sp>
+          <p:sp>
+            <p:nvSpPr>
+              <p:cNvPr id="63" name="Flowchart: Manual Operation 62">
+                <a:extLst>
+                  <a:ext uri="{FF2B5EF4-FFF2-40B4-BE49-F238E27FC236}">
+                    <a16:creationId xmlns:a16="http://schemas.microsoft.com/office/drawing/2014/main" id="{CFF75FEA-8970-4307-B80F-9F2EF1FB2316}"/>
+                  </a:ext>
+                </a:extLst>
+              </p:cNvPr>
+              <p:cNvSpPr/>
+              <p:nvPr/>
+            </p:nvSpPr>
+            <p:spPr>
+              <a:xfrm rot="5400000">
+                <a:off x="9129824" y="5657130"/>
+                <a:ext cx="1071523" cy="535761"/>
+              </a:xfrm>
+              <a:prstGeom prst="flowChartManualOperation">
+                <a:avLst/>
+              </a:prstGeom>
+              <a:noFill/>
+              <a:ln w="28575">
+                <a:solidFill>
+                  <a:srgbClr val="C00000"/>
+                </a:solidFill>
+                <a:prstDash val="dash"/>
+              </a:ln>
+            </p:spPr>
+            <p:style>
+              <a:lnRef idx="2">
+                <a:schemeClr val="accent1">
+                  <a:shade val="50000"/>
+                </a:schemeClr>
+              </a:lnRef>
+              <a:fillRef idx="1">
+                <a:schemeClr val="accent1"/>
+              </a:fillRef>
+              <a:effectRef idx="0">
+                <a:schemeClr val="accent1"/>
+              </a:effectRef>
+              <a:fontRef idx="minor">
+                <a:schemeClr val="lt1"/>
+              </a:fontRef>
+            </p:style>
+            <p:txBody>
+              <a:bodyPr rtlCol="0" anchor="ctr"/>
+              <a:lstStyle/>
+              <a:p>
+                <a:pPr algn="ctr"/>
+                <a:endParaRPr lang="en-ZA"/>
+              </a:p>
+            </p:txBody>
+          </p:sp>
+        </p:grpSp>
+      </p:grpSp>
     </p:spTree>
     <p:extLst>
       <p:ext uri="{BB962C8B-B14F-4D97-AF65-F5344CB8AC3E}">
